--- a/doc/CampusDay/Poster Campusday.pptx
+++ b/doc/CampusDay/Poster Campusday.pptx
@@ -112,6 +112,10 @@
 </p:presentation>
 </file>
 
+<file path=ppt/revisionInfo.xml><?xml version="1.0" encoding="utf-8"?>
+<p1510:revInfo xmlns:a="http://schemas.openxmlformats.org/drawingml/2006/main" xmlns:r="http://schemas.openxmlformats.org/officeDocument/2006/relationships" xmlns:p1510="http://schemas.microsoft.com/office/powerpoint/2015/10/main"/>
+</file>
+
 <file path=ppt/slideLayouts/slideLayout1.xml><?xml version="1.0" encoding="utf-8"?>
 <p:sldLayout xmlns:a="http://schemas.openxmlformats.org/drawingml/2006/main" xmlns:r="http://schemas.openxmlformats.org/officeDocument/2006/relationships" xmlns:p="http://schemas.openxmlformats.org/presentationml/2006/main" type="title" preserve="1">
   <p:cSld name="Titelfolie">
@@ -259,7 +263,7 @@
           <a:p>
             <a:fld id="{7F57B50C-F60F-431D-8BBC-0DF0B9D0899B}" type="datetimeFigureOut">
               <a:rPr lang="de-DE" smtClean="0"/>
-              <a:t>01.06.2018</a:t>
+              <a:t>03.06.2018</a:t>
             </a:fld>
             <a:endParaRPr lang="de-DE"/>
           </a:p>
@@ -457,7 +461,7 @@
           <a:p>
             <a:fld id="{7F57B50C-F60F-431D-8BBC-0DF0B9D0899B}" type="datetimeFigureOut">
               <a:rPr lang="de-DE" smtClean="0"/>
-              <a:t>01.06.2018</a:t>
+              <a:t>03.06.2018</a:t>
             </a:fld>
             <a:endParaRPr lang="de-DE"/>
           </a:p>
@@ -665,7 +669,7 @@
           <a:p>
             <a:fld id="{7F57B50C-F60F-431D-8BBC-0DF0B9D0899B}" type="datetimeFigureOut">
               <a:rPr lang="de-DE" smtClean="0"/>
-              <a:t>01.06.2018</a:t>
+              <a:t>03.06.2018</a:t>
             </a:fld>
             <a:endParaRPr lang="de-DE"/>
           </a:p>
@@ -863,7 +867,7 @@
           <a:p>
             <a:fld id="{7F57B50C-F60F-431D-8BBC-0DF0B9D0899B}" type="datetimeFigureOut">
               <a:rPr lang="de-DE" smtClean="0"/>
-              <a:t>01.06.2018</a:t>
+              <a:t>03.06.2018</a:t>
             </a:fld>
             <a:endParaRPr lang="de-DE"/>
           </a:p>
@@ -1138,7 +1142,7 @@
           <a:p>
             <a:fld id="{7F57B50C-F60F-431D-8BBC-0DF0B9D0899B}" type="datetimeFigureOut">
               <a:rPr lang="de-DE" smtClean="0"/>
-              <a:t>01.06.2018</a:t>
+              <a:t>03.06.2018</a:t>
             </a:fld>
             <a:endParaRPr lang="de-DE"/>
           </a:p>
@@ -1403,7 +1407,7 @@
           <a:p>
             <a:fld id="{7F57B50C-F60F-431D-8BBC-0DF0B9D0899B}" type="datetimeFigureOut">
               <a:rPr lang="de-DE" smtClean="0"/>
-              <a:t>01.06.2018</a:t>
+              <a:t>03.06.2018</a:t>
             </a:fld>
             <a:endParaRPr lang="de-DE"/>
           </a:p>
@@ -1815,7 +1819,7 @@
           <a:p>
             <a:fld id="{7F57B50C-F60F-431D-8BBC-0DF0B9D0899B}" type="datetimeFigureOut">
               <a:rPr lang="de-DE" smtClean="0"/>
-              <a:t>01.06.2018</a:t>
+              <a:t>03.06.2018</a:t>
             </a:fld>
             <a:endParaRPr lang="de-DE"/>
           </a:p>
@@ -1956,7 +1960,7 @@
           <a:p>
             <a:fld id="{7F57B50C-F60F-431D-8BBC-0DF0B9D0899B}" type="datetimeFigureOut">
               <a:rPr lang="de-DE" smtClean="0"/>
-              <a:t>01.06.2018</a:t>
+              <a:t>03.06.2018</a:t>
             </a:fld>
             <a:endParaRPr lang="de-DE"/>
           </a:p>
@@ -2069,7 +2073,7 @@
           <a:p>
             <a:fld id="{7F57B50C-F60F-431D-8BBC-0DF0B9D0899B}" type="datetimeFigureOut">
               <a:rPr lang="de-DE" smtClean="0"/>
-              <a:t>01.06.2018</a:t>
+              <a:t>03.06.2018</a:t>
             </a:fld>
             <a:endParaRPr lang="de-DE"/>
           </a:p>
@@ -2380,7 +2384,7 @@
           <a:p>
             <a:fld id="{7F57B50C-F60F-431D-8BBC-0DF0B9D0899B}" type="datetimeFigureOut">
               <a:rPr lang="de-DE" smtClean="0"/>
-              <a:t>01.06.2018</a:t>
+              <a:t>03.06.2018</a:t>
             </a:fld>
             <a:endParaRPr lang="de-DE"/>
           </a:p>
@@ -2668,7 +2672,7 @@
           <a:p>
             <a:fld id="{7F57B50C-F60F-431D-8BBC-0DF0B9D0899B}" type="datetimeFigureOut">
               <a:rPr lang="de-DE" smtClean="0"/>
-              <a:t>01.06.2018</a:t>
+              <a:t>03.06.2018</a:t>
             </a:fld>
             <a:endParaRPr lang="de-DE"/>
           </a:p>
@@ -2909,7 +2913,7 @@
           <a:p>
             <a:fld id="{7F57B50C-F60F-431D-8BBC-0DF0B9D0899B}" type="datetimeFigureOut">
               <a:rPr lang="de-DE" smtClean="0"/>
-              <a:t>01.06.2018</a:t>
+              <a:t>03.06.2018</a:t>
             </a:fld>
             <a:endParaRPr lang="de-DE"/>
           </a:p>
@@ -3579,8 +3583,8 @@
         </p:nvGrpSpPr>
         <p:grpSpPr>
           <a:xfrm>
-            <a:off x="241972" y="3886200"/>
-            <a:ext cx="9130628" cy="17695323"/>
+            <a:off x="241972" y="3886201"/>
+            <a:ext cx="9130628" cy="17114520"/>
             <a:chOff x="419111" y="4076700"/>
             <a:chExt cx="9715500" cy="8659118"/>
           </a:xfrm>
@@ -3716,32 +3720,12 @@
                   </a:endParaRPr>
                 </a:p>
                 <a:p>
-                  <a:endParaRPr lang="de-DE" sz="3200" dirty="0">
-                    <a:latin typeface="Times New Roman" panose="02020603050405020304" pitchFamily="18" charset="0"/>
-                    <a:cs typeface="Times New Roman" panose="02020603050405020304" pitchFamily="18" charset="0"/>
-                  </a:endParaRPr>
-                </a:p>
-                <a:p>
                   <a:r>
                     <a:rPr lang="de-DE" sz="3200" dirty="0">
                       <a:latin typeface="Times New Roman" panose="02020603050405020304" pitchFamily="18" charset="0"/>
                       <a:cs typeface="Times New Roman" panose="02020603050405020304" pitchFamily="18" charset="0"/>
                     </a:rPr>
-                    <a:t>Mit Hilfe dieser beiden </a:t>
-                  </a:r>
-                  <a:r>
-                    <a:rPr lang="de-DE" sz="3200" dirty="0" err="1">
-                      <a:latin typeface="Times New Roman" panose="02020603050405020304" pitchFamily="18" charset="0"/>
-                      <a:cs typeface="Times New Roman" panose="02020603050405020304" pitchFamily="18" charset="0"/>
-                    </a:rPr>
-                    <a:t>Paremeter</a:t>
-                  </a:r>
-                  <a:r>
-                    <a:rPr lang="de-DE" sz="3200" dirty="0">
-                      <a:latin typeface="Times New Roman" panose="02020603050405020304" pitchFamily="18" charset="0"/>
-                      <a:cs typeface="Times New Roman" panose="02020603050405020304" pitchFamily="18" charset="0"/>
-                    </a:rPr>
-                    <a:t> lässt sich ein neuer Wert, der sogenannte „Index </a:t>
+                    <a:t>Mit Hilfe dieser beiden Parameter lässt sich ein neuer Wert, der sogenannte „Index </a:t>
                   </a:r>
                   <a:r>
                     <a:rPr lang="de-DE" sz="3200" dirty="0" err="1">
@@ -3899,6 +3883,7 @@
                   </a:r>
                 </a:p>
                 <a:p>
+                  <a:pPr/>
                   <a14:m>
                     <m:oMathPara xmlns:m="http://schemas.openxmlformats.org/officeDocument/2006/math">
                       <m:oMathParaPr>
@@ -4015,7 +4000,7 @@
                 <a:blipFill>
                   <a:blip r:embed="rId2"/>
                   <a:stretch>
-                    <a:fillRect l="-1790" t="-515" r="-2147" b="-221"/>
+                    <a:fillRect l="-1790" t="-532" r="-2147" b="-570"/>
                   </a:stretch>
                 </a:blipFill>
               </p:spPr>
@@ -4086,10 +4071,10 @@
         </p:nvGrpSpPr>
         <p:grpSpPr>
           <a:xfrm>
-            <a:off x="11443990" y="3886200"/>
-            <a:ext cx="9715500" cy="4399176"/>
-            <a:chOff x="419111" y="4076700"/>
-            <a:chExt cx="9715500" cy="4419600"/>
+            <a:off x="11443990" y="3886199"/>
+            <a:ext cx="9715500" cy="4878032"/>
+            <a:chOff x="419111" y="4076699"/>
+            <a:chExt cx="9715500" cy="4872586"/>
           </a:xfrm>
         </p:grpSpPr>
         <p:sp>
@@ -4106,8 +4091,8 @@
           </p:nvSpPr>
           <p:spPr>
             <a:xfrm>
-              <a:off x="419111" y="4076700"/>
-              <a:ext cx="9715500" cy="4419600"/>
+              <a:off x="419111" y="4076699"/>
+              <a:ext cx="9715500" cy="4872586"/>
             </a:xfrm>
             <a:prstGeom prst="rect">
               <a:avLst/>
@@ -4156,7 +4141,7 @@
           <p:spPr>
             <a:xfrm>
               <a:off x="784873" y="5242352"/>
-              <a:ext cx="9060176" cy="587490"/>
+              <a:ext cx="9060176" cy="3555862"/>
             </a:xfrm>
             <a:prstGeom prst="rect">
               <a:avLst/>
@@ -4169,10 +4154,13 @@
             </a:bodyPr>
             <a:lstStyle/>
             <a:p>
-              <a:endParaRPr lang="de-DE" sz="3200" dirty="0">
-                <a:latin typeface="Times New Roman" panose="02020603050405020304" pitchFamily="18" charset="0"/>
-                <a:cs typeface="Times New Roman" panose="02020603050405020304" pitchFamily="18" charset="0"/>
-              </a:endParaRPr>
+              <a:r>
+                <a:rPr lang="de-DE" sz="3200" dirty="0">
+                  <a:latin typeface="Times New Roman" panose="02020603050405020304" pitchFamily="18" charset="0"/>
+                  <a:cs typeface="Times New Roman" panose="02020603050405020304" pitchFamily="18" charset="0"/>
+                </a:rPr>
+                <a:t>Anhand dieses Experiments soll eine weitere Hypothese untersucht werden. Sie besagt, dass das logarithmische Wachstum der Bewegungszeit MT verloren geht, sobald der Benutzer keine oder nur wenig Kenntnis des Zielortes besitzt. Statt in einer Zeit von O(log n) lässt sich dies nun in einer konstanter Zeit von O(1) lösen.</a:t>
+              </a:r>
             </a:p>
           </p:txBody>
         </p:sp>
@@ -4228,8 +4216,8 @@
         </p:nvSpPr>
         <p:spPr>
           <a:xfrm>
-            <a:off x="19110978" y="29395862"/>
-            <a:ext cx="2400300" cy="707886"/>
+            <a:off x="10281920" y="29395862"/>
+            <a:ext cx="11229358" cy="707886"/>
           </a:xfrm>
           <a:prstGeom prst="rect">
             <a:avLst/>
@@ -4242,18 +4230,6 @@
           </a:bodyPr>
           <a:lstStyle/>
           <a:p>
-            <a:r>
-              <a:rPr lang="de-DE" sz="2000" dirty="0">
-                <a:solidFill>
-                  <a:schemeClr val="tx1">
-                    <a:lumMod val="65000"/>
-                    <a:lumOff val="35000"/>
-                  </a:schemeClr>
-                </a:solidFill>
-                <a:latin typeface="Century Gothic" panose="020B0502020202020204" pitchFamily="34" charset="0"/>
-              </a:rPr>
-              <a:t>Torben Krüger</a:t>
-            </a:r>
             <a:br>
               <a:rPr lang="de-DE" sz="2000" dirty="0">
                 <a:solidFill>
@@ -4275,8 +4251,29 @@
                 </a:solidFill>
                 <a:latin typeface="Century Gothic" panose="020B0502020202020204" pitchFamily="34" charset="0"/>
               </a:rPr>
-              <a:t>Julian Schäfer</a:t>
-            </a:r>
+              <a:t>Testclient von Torben Krüger und Julian Schäfer, Betreuer Prof. Dr. rer. nat. Ulrich </a:t>
+            </a:r>
+            <a:r>
+              <a:rPr lang="de-DE" sz="2000" dirty="0" err="1">
+                <a:solidFill>
+                  <a:schemeClr val="tx1">
+                    <a:lumMod val="65000"/>
+                    <a:lumOff val="35000"/>
+                  </a:schemeClr>
+                </a:solidFill>
+                <a:latin typeface="Century Gothic" panose="020B0502020202020204" pitchFamily="34" charset="0"/>
+              </a:rPr>
+              <a:t>Bröckl</a:t>
+            </a:r>
+            <a:endParaRPr lang="de-DE" sz="2000" dirty="0">
+              <a:solidFill>
+                <a:schemeClr val="tx1">
+                  <a:lumMod val="65000"/>
+                  <a:lumOff val="35000"/>
+                </a:schemeClr>
+              </a:solidFill>
+              <a:latin typeface="Century Gothic" panose="020B0502020202020204" pitchFamily="34" charset="0"/>
+            </a:endParaRPr>
           </a:p>
         </p:txBody>
       </p:sp>
@@ -4294,8 +4291,8 @@
         </p:nvSpPr>
         <p:spPr>
           <a:xfrm>
-            <a:off x="11482088" y="10429811"/>
-            <a:ext cx="9715500" cy="15959202"/>
+            <a:off x="11443990" y="10842153"/>
+            <a:ext cx="9715500" cy="15431607"/>
           </a:xfrm>
           <a:prstGeom prst="rect">
             <a:avLst/>
@@ -4343,8 +4340,8 @@
         </p:nvSpPr>
         <p:spPr>
           <a:xfrm>
-            <a:off x="11847850" y="11896003"/>
-            <a:ext cx="9060176" cy="735548"/>
+            <a:off x="11865687" y="11960215"/>
+            <a:ext cx="9060176" cy="15358050"/>
           </a:xfrm>
           <a:prstGeom prst="rect">
             <a:avLst/>
@@ -4357,11 +4354,170 @@
           </a:bodyPr>
           <a:lstStyle/>
           <a:p>
+            <a:r>
+              <a:rPr lang="de-DE" sz="3200" dirty="0">
+                <a:latin typeface="Times New Roman" panose="02020603050405020304" pitchFamily="18" charset="0"/>
+                <a:cs typeface="Times New Roman" panose="02020603050405020304" pitchFamily="18" charset="0"/>
+              </a:rPr>
+              <a:t>Um diese Hypothese zu untersuchen werden Testdaten mit Hilfe eines Programmes gesammelt.</a:t>
+            </a:r>
+          </a:p>
+          <a:p>
+            <a:r>
+              <a:rPr lang="de-DE" sz="3200" dirty="0">
+                <a:latin typeface="Times New Roman" panose="02020603050405020304" pitchFamily="18" charset="0"/>
+                <a:cs typeface="Times New Roman" panose="02020603050405020304" pitchFamily="18" charset="0"/>
+              </a:rPr>
+              <a:t>Dabei wird die Zeit gemessen, die ein Nutzer benötigt um basierend auf einer erscheinenden Anzeige auf dem Bildschirm ein geläufiges Shortcut (z.B. </a:t>
+            </a:r>
+            <a:br>
+              <a:rPr lang="de-DE" sz="3200" dirty="0">
+                <a:latin typeface="Times New Roman" panose="02020603050405020304" pitchFamily="18" charset="0"/>
+                <a:cs typeface="Times New Roman" panose="02020603050405020304" pitchFamily="18" charset="0"/>
+              </a:rPr>
+            </a:br>
+            <a:r>
+              <a:rPr lang="de-DE" sz="3200" i="1" dirty="0">
+                <a:latin typeface="Times New Roman" panose="02020603050405020304" pitchFamily="18" charset="0"/>
+                <a:cs typeface="Times New Roman" panose="02020603050405020304" pitchFamily="18" charset="0"/>
+              </a:rPr>
+              <a:t>Strg + C</a:t>
+            </a:r>
+            <a:r>
+              <a:rPr lang="de-DE" sz="3200" dirty="0">
+                <a:latin typeface="Times New Roman" panose="02020603050405020304" pitchFamily="18" charset="0"/>
+                <a:cs typeface="Times New Roman" panose="02020603050405020304" pitchFamily="18" charset="0"/>
+              </a:rPr>
+              <a:t>) zu drücken.</a:t>
+            </a:r>
+            <a:br>
+              <a:rPr lang="de-DE" sz="3200" dirty="0">
+                <a:latin typeface="Times New Roman" panose="02020603050405020304" pitchFamily="18" charset="0"/>
+                <a:cs typeface="Times New Roman" panose="02020603050405020304" pitchFamily="18" charset="0"/>
+              </a:rPr>
+            </a:br>
+            <a:br>
+              <a:rPr lang="de-DE" sz="3200" dirty="0">
+                <a:latin typeface="Times New Roman" panose="02020603050405020304" pitchFamily="18" charset="0"/>
+                <a:cs typeface="Times New Roman" panose="02020603050405020304" pitchFamily="18" charset="0"/>
+              </a:rPr>
+            </a:br>
+            <a:br>
+              <a:rPr lang="de-DE" sz="3200" dirty="0">
+                <a:latin typeface="Times New Roman" panose="02020603050405020304" pitchFamily="18" charset="0"/>
+                <a:cs typeface="Times New Roman" panose="02020603050405020304" pitchFamily="18" charset="0"/>
+              </a:rPr>
+            </a:br>
+            <a:br>
+              <a:rPr lang="de-DE" sz="3200" dirty="0">
+                <a:latin typeface="Times New Roman" panose="02020603050405020304" pitchFamily="18" charset="0"/>
+                <a:cs typeface="Times New Roman" panose="02020603050405020304" pitchFamily="18" charset="0"/>
+              </a:rPr>
+            </a:br>
             <a:endParaRPr lang="de-DE" sz="3200" dirty="0">
               <a:latin typeface="Times New Roman" panose="02020603050405020304" pitchFamily="18" charset="0"/>
               <a:cs typeface="Times New Roman" panose="02020603050405020304" pitchFamily="18" charset="0"/>
             </a:endParaRPr>
           </a:p>
+          <a:p>
+            <a:endParaRPr lang="de-DE" sz="3200" dirty="0">
+              <a:latin typeface="Times New Roman" panose="02020603050405020304" pitchFamily="18" charset="0"/>
+              <a:cs typeface="Times New Roman" panose="02020603050405020304" pitchFamily="18" charset="0"/>
+            </a:endParaRPr>
+          </a:p>
+          <a:p>
+            <a:endParaRPr lang="de-DE" sz="3200" dirty="0">
+              <a:latin typeface="Times New Roman" panose="02020603050405020304" pitchFamily="18" charset="0"/>
+              <a:cs typeface="Times New Roman" panose="02020603050405020304" pitchFamily="18" charset="0"/>
+            </a:endParaRPr>
+          </a:p>
+          <a:p>
+            <a:endParaRPr lang="de-DE" sz="3200" dirty="0">
+              <a:latin typeface="Times New Roman" panose="02020603050405020304" pitchFamily="18" charset="0"/>
+              <a:cs typeface="Times New Roman" panose="02020603050405020304" pitchFamily="18" charset="0"/>
+            </a:endParaRPr>
+          </a:p>
+          <a:p>
+            <a:br>
+              <a:rPr lang="de-DE" sz="3200" dirty="0">
+                <a:latin typeface="Times New Roman" panose="02020603050405020304" pitchFamily="18" charset="0"/>
+                <a:cs typeface="Times New Roman" panose="02020603050405020304" pitchFamily="18" charset="0"/>
+              </a:rPr>
+            </a:br>
+            <a:r>
+              <a:rPr lang="de-DE" sz="3200" dirty="0">
+                <a:latin typeface="Times New Roman" panose="02020603050405020304" pitchFamily="18" charset="0"/>
+                <a:cs typeface="Times New Roman" panose="02020603050405020304" pitchFamily="18" charset="0"/>
+              </a:rPr>
+              <a:t>Zu Beginn werden Daten des Probanden erhoben. Außerdem wird der Darstellungstyp der zu drückenden Befehle ausgewählt:</a:t>
+            </a:r>
+          </a:p>
+          <a:p>
+            <a:pPr marL="914400" lvl="1" indent="-457200">
+              <a:buFont typeface="Arial" panose="020B0604020202020204" pitchFamily="34" charset="0"/>
+              <a:buChar char="•"/>
+            </a:pPr>
+            <a:r>
+              <a:rPr lang="de-DE" sz="3200" dirty="0">
+                <a:latin typeface="Times New Roman" panose="02020603050405020304" pitchFamily="18" charset="0"/>
+                <a:cs typeface="Times New Roman" panose="02020603050405020304" pitchFamily="18" charset="0"/>
+              </a:rPr>
+              <a:t>Text (linke Abbildung)</a:t>
+            </a:r>
+          </a:p>
+          <a:p>
+            <a:pPr marL="914400" lvl="1" indent="-457200">
+              <a:buFont typeface="Arial" panose="020B0604020202020204" pitchFamily="34" charset="0"/>
+              <a:buChar char="•"/>
+            </a:pPr>
+            <a:r>
+              <a:rPr lang="de-DE" sz="3200" dirty="0">
+                <a:latin typeface="Times New Roman" panose="02020603050405020304" pitchFamily="18" charset="0"/>
+                <a:cs typeface="Times New Roman" panose="02020603050405020304" pitchFamily="18" charset="0"/>
+              </a:rPr>
+              <a:t>Icon (rechte Abbildung)</a:t>
+            </a:r>
+            <a:br>
+              <a:rPr lang="de-DE" sz="3200" dirty="0">
+                <a:latin typeface="Times New Roman" panose="02020603050405020304" pitchFamily="18" charset="0"/>
+                <a:cs typeface="Times New Roman" panose="02020603050405020304" pitchFamily="18" charset="0"/>
+              </a:rPr>
+            </a:br>
+            <a:endParaRPr lang="de-DE" sz="3200" dirty="0">
+              <a:latin typeface="Times New Roman" panose="02020603050405020304" pitchFamily="18" charset="0"/>
+              <a:cs typeface="Times New Roman" panose="02020603050405020304" pitchFamily="18" charset="0"/>
+            </a:endParaRPr>
+          </a:p>
+          <a:p>
+            <a:r>
+              <a:rPr lang="de-DE" sz="3200" dirty="0">
+                <a:latin typeface="Times New Roman" panose="02020603050405020304" pitchFamily="18" charset="0"/>
+                <a:cs typeface="Times New Roman" panose="02020603050405020304" pitchFamily="18" charset="0"/>
+              </a:rPr>
+              <a:t>Im Anschluss darauf startet das eigentliche Experiment. Dazu muss der Shortcut des zu angezeigten Befehls gedrückt werden. Daraufhin muss nach jeder Eingabe ein zufälliges Wort eingegeben werden. Nach erfolgreicher Eingabe wird ein neuer Befehl angezeigt.</a:t>
+            </a:r>
+          </a:p>
+          <a:p>
+            <a:endParaRPr lang="de-DE" sz="3200" dirty="0">
+              <a:latin typeface="Times New Roman" panose="02020603050405020304" pitchFamily="18" charset="0"/>
+              <a:cs typeface="Times New Roman" panose="02020603050405020304" pitchFamily="18" charset="0"/>
+            </a:endParaRPr>
+          </a:p>
+          <a:p>
+            <a:r>
+              <a:rPr lang="de-DE" sz="3200" dirty="0">
+                <a:latin typeface="Times New Roman" panose="02020603050405020304" pitchFamily="18" charset="0"/>
+                <a:cs typeface="Times New Roman" panose="02020603050405020304" pitchFamily="18" charset="0"/>
+              </a:rPr>
+              <a:t>Das Experiment endet nach einer zuvor eingestellten Anzahl an Runden.</a:t>
+            </a:r>
+          </a:p>
+          <a:p>
+            <a:endParaRPr lang="de-DE" sz="3200" dirty="0">
+              <a:latin typeface="Times New Roman" panose="02020603050405020304" pitchFamily="18" charset="0"/>
+              <a:cs typeface="Times New Roman" panose="02020603050405020304" pitchFamily="18" charset="0"/>
+            </a:endParaRPr>
+          </a:p>
         </p:txBody>
       </p:sp>
       <p:sp>
@@ -4378,7 +4534,7 @@
         </p:nvSpPr>
         <p:spPr>
           <a:xfrm>
-            <a:off x="11847850" y="10914744"/>
+            <a:off x="11865687" y="11129816"/>
             <a:ext cx="6153149" cy="1045253"/>
           </a:xfrm>
           <a:prstGeom prst="rect">
@@ -4417,7 +4573,7 @@
         </p:nvGrpSpPr>
         <p:grpSpPr>
           <a:xfrm rot="5400000">
-            <a:off x="15400223" y="8436872"/>
+            <a:off x="15493681" y="8873867"/>
             <a:ext cx="1879232" cy="1080001"/>
             <a:chOff x="11212852" y="8991600"/>
             <a:chExt cx="1879232" cy="1080001"/>
@@ -4546,149 +4702,6 @@
       </p:grpSp>
       <p:grpSp>
         <p:nvGrpSpPr>
-          <p:cNvPr id="39" name="Gruppieren 38">
-            <a:extLst>
-              <a:ext uri="{FF2B5EF4-FFF2-40B4-BE49-F238E27FC236}">
-                <a16:creationId xmlns:a16="http://schemas.microsoft.com/office/drawing/2014/main" id="{534ADC11-7A3B-4FF0-B0FC-99F192C33714}"/>
-              </a:ext>
-            </a:extLst>
-          </p:cNvPr>
-          <p:cNvGrpSpPr>
-            <a:grpSpLocks noChangeAspect="1"/>
-          </p:cNvGrpSpPr>
-          <p:nvPr/>
-        </p:nvGrpSpPr>
-        <p:grpSpPr>
-          <a:xfrm>
-            <a:off x="9229322" y="27614845"/>
-            <a:ext cx="1879232" cy="1080001"/>
-            <a:chOff x="11212852" y="8991600"/>
-            <a:chExt cx="1879232" cy="1080001"/>
-          </a:xfrm>
-        </p:grpSpPr>
-        <p:sp>
-          <p:nvSpPr>
-            <p:cNvPr id="40" name="Halber Rahmen 39">
-              <a:extLst>
-                <a:ext uri="{FF2B5EF4-FFF2-40B4-BE49-F238E27FC236}">
-                  <a16:creationId xmlns:a16="http://schemas.microsoft.com/office/drawing/2014/main" id="{D8689843-2BFF-44DF-B956-4C535DBF258D}"/>
-                </a:ext>
-              </a:extLst>
-            </p:cNvPr>
-            <p:cNvSpPr>
-              <a:spLocks noChangeAspect="1"/>
-            </p:cNvSpPr>
-            <p:nvPr/>
-          </p:nvSpPr>
-          <p:spPr>
-            <a:xfrm rot="8115203">
-              <a:off x="11212852" y="8991600"/>
-              <a:ext cx="1080000" cy="1080000"/>
-            </a:xfrm>
-            <a:prstGeom prst="halfFrame">
-              <a:avLst/>
-            </a:prstGeom>
-            <a:solidFill>
-              <a:srgbClr val="C00000"/>
-            </a:solidFill>
-            <a:ln>
-              <a:solidFill>
-                <a:srgbClr val="C00000"/>
-              </a:solidFill>
-            </a:ln>
-          </p:spPr>
-          <p:style>
-            <a:lnRef idx="2">
-              <a:schemeClr val="accent1">
-                <a:shade val="50000"/>
-              </a:schemeClr>
-            </a:lnRef>
-            <a:fillRef idx="1">
-              <a:schemeClr val="accent1"/>
-            </a:fillRef>
-            <a:effectRef idx="0">
-              <a:schemeClr val="accent1"/>
-            </a:effectRef>
-            <a:fontRef idx="minor">
-              <a:schemeClr val="lt1"/>
-            </a:fontRef>
-          </p:style>
-          <p:txBody>
-            <a:bodyPr rtlCol="0" anchor="ctr"/>
-            <a:lstStyle/>
-            <a:p>
-              <a:pPr algn="ctr"/>
-              <a:endParaRPr lang="de-DE">
-                <a:solidFill>
-                  <a:schemeClr val="tx1"/>
-                </a:solidFill>
-              </a:endParaRPr>
-            </a:p>
-          </p:txBody>
-        </p:sp>
-        <p:sp>
-          <p:nvSpPr>
-            <p:cNvPr id="41" name="Halber Rahmen 40">
-              <a:extLst>
-                <a:ext uri="{FF2B5EF4-FFF2-40B4-BE49-F238E27FC236}">
-                  <a16:creationId xmlns:a16="http://schemas.microsoft.com/office/drawing/2014/main" id="{996F8DF8-512C-4931-ACC5-1207E9B4F39A}"/>
-                </a:ext>
-              </a:extLst>
-            </p:cNvPr>
-            <p:cNvSpPr>
-              <a:spLocks noChangeAspect="1"/>
-            </p:cNvSpPr>
-            <p:nvPr/>
-          </p:nvSpPr>
-          <p:spPr>
-            <a:xfrm rot="8115203">
-              <a:off x="12012084" y="8991601"/>
-              <a:ext cx="1080000" cy="1080000"/>
-            </a:xfrm>
-            <a:prstGeom prst="halfFrame">
-              <a:avLst/>
-            </a:prstGeom>
-            <a:solidFill>
-              <a:srgbClr val="C00000"/>
-            </a:solidFill>
-            <a:ln>
-              <a:solidFill>
-                <a:srgbClr val="C00000"/>
-              </a:solidFill>
-            </a:ln>
-          </p:spPr>
-          <p:style>
-            <a:lnRef idx="2">
-              <a:schemeClr val="accent1">
-                <a:shade val="50000"/>
-              </a:schemeClr>
-            </a:lnRef>
-            <a:fillRef idx="1">
-              <a:schemeClr val="accent1"/>
-            </a:fillRef>
-            <a:effectRef idx="0">
-              <a:schemeClr val="accent1"/>
-            </a:effectRef>
-            <a:fontRef idx="minor">
-              <a:schemeClr val="lt1"/>
-            </a:fontRef>
-          </p:style>
-          <p:txBody>
-            <a:bodyPr rtlCol="0" anchor="ctr"/>
-            <a:lstStyle/>
-            <a:p>
-              <a:pPr algn="ctr"/>
-              <a:endParaRPr lang="de-DE">
-                <a:solidFill>
-                  <a:schemeClr val="tx1"/>
-                </a:solidFill>
-              </a:endParaRPr>
-            </a:p>
-          </p:txBody>
-        </p:sp>
-      </p:grpSp>
-      <p:grpSp>
-        <p:nvGrpSpPr>
           <p:cNvPr id="49" name="Gruppieren 48">
             <a:extLst>
               <a:ext uri="{FF2B5EF4-FFF2-40B4-BE49-F238E27FC236}">
@@ -4701,9 +4714,9 @@
         </p:nvGrpSpPr>
         <p:grpSpPr>
           <a:xfrm>
-            <a:off x="241972" y="22509480"/>
-            <a:ext cx="9229958" cy="6621380"/>
-            <a:chOff x="419111" y="4076698"/>
+            <a:off x="241972" y="21576900"/>
+            <a:ext cx="9145147" cy="4696860"/>
+            <a:chOff x="315750" y="1158576"/>
             <a:chExt cx="9821193" cy="12104788"/>
           </a:xfrm>
         </p:grpSpPr>
@@ -4721,7 +4734,7 @@
           </p:nvSpPr>
           <p:spPr>
             <a:xfrm>
-              <a:off x="419111" y="4076698"/>
+              <a:off x="315750" y="1158576"/>
               <a:ext cx="9821193" cy="12104788"/>
             </a:xfrm>
             <a:prstGeom prst="rect">
@@ -4805,8 +4818,8 @@
           </p:nvSpPr>
           <p:spPr>
             <a:xfrm>
-              <a:off x="746773" y="4411355"/>
-              <a:ext cx="6153149" cy="1519176"/>
+              <a:off x="547492" y="1476735"/>
+              <a:ext cx="9498995" cy="9756415"/>
             </a:xfrm>
             <a:prstGeom prst="rect">
               <a:avLst/>
@@ -4825,6 +4838,71 @@
                 </a:rPr>
                 <a:t>Ergebnis</a:t>
               </a:r>
+              <a:br>
+                <a:rPr lang="de-DE" sz="4800" b="1" dirty="0">
+                  <a:latin typeface="Century Gothic" panose="020B0502020202020204" pitchFamily="34" charset="0"/>
+                </a:rPr>
+              </a:br>
+              <a:r>
+                <a:rPr lang="de-DE" sz="3200" dirty="0">
+                  <a:latin typeface="Times New Roman" panose="02020603050405020304" pitchFamily="18" charset="0"/>
+                  <a:cs typeface="Times New Roman" panose="02020603050405020304" pitchFamily="18" charset="0"/>
+                </a:rPr>
+                <a:t>Am Ende des Experiments werden die erhobenen Daten in einer </a:t>
+              </a:r>
+              <a:r>
+                <a:rPr lang="de-DE" sz="3200" dirty="0" err="1">
+                  <a:latin typeface="Times New Roman" panose="02020603050405020304" pitchFamily="18" charset="0"/>
+                  <a:cs typeface="Times New Roman" panose="02020603050405020304" pitchFamily="18" charset="0"/>
+                </a:rPr>
+                <a:t>csv</a:t>
+              </a:r>
+              <a:r>
+                <a:rPr lang="de-DE" sz="3200" dirty="0">
+                  <a:latin typeface="Times New Roman" panose="02020603050405020304" pitchFamily="18" charset="0"/>
+                  <a:cs typeface="Times New Roman" panose="02020603050405020304" pitchFamily="18" charset="0"/>
+                </a:rPr>
+                <a:t>-Datei abgespeichert. </a:t>
+              </a:r>
+            </a:p>
+            <a:p>
+              <a:endParaRPr lang="de-DE" sz="3200">
+                <a:latin typeface="Times New Roman" panose="02020603050405020304" pitchFamily="18" charset="0"/>
+                <a:cs typeface="Times New Roman" panose="02020603050405020304" pitchFamily="18" charset="0"/>
+              </a:endParaRPr>
+            </a:p>
+            <a:p>
+              <a:r>
+                <a:rPr lang="de-DE" sz="3200">
+                  <a:latin typeface="Times New Roman" panose="02020603050405020304" pitchFamily="18" charset="0"/>
+                  <a:cs typeface="Times New Roman" panose="02020603050405020304" pitchFamily="18" charset="0"/>
+                </a:rPr>
+                <a:t>Diese </a:t>
+              </a:r>
+              <a:r>
+                <a:rPr lang="de-DE" sz="3200" dirty="0">
+                  <a:latin typeface="Times New Roman" panose="02020603050405020304" pitchFamily="18" charset="0"/>
+                  <a:cs typeface="Times New Roman" panose="02020603050405020304" pitchFamily="18" charset="0"/>
+                </a:rPr>
+                <a:t>werden für eine wissenschaftliche Auswertung benutzt um die oben genannte Hypothese entweder zu </a:t>
+              </a:r>
+              <a:r>
+                <a:rPr lang="de-DE" sz="3200" dirty="0" err="1">
+                  <a:latin typeface="Times New Roman" panose="02020603050405020304" pitchFamily="18" charset="0"/>
+                  <a:cs typeface="Times New Roman" panose="02020603050405020304" pitchFamily="18" charset="0"/>
+                </a:rPr>
+                <a:t>be</a:t>
+              </a:r>
+              <a:r>
+                <a:rPr lang="de-DE" sz="3200" dirty="0">
+                  <a:latin typeface="Times New Roman" panose="02020603050405020304" pitchFamily="18" charset="0"/>
+                  <a:cs typeface="Times New Roman" panose="02020603050405020304" pitchFamily="18" charset="0"/>
+                </a:rPr>
+                <a:t>- oder widerlegen.</a:t>
+              </a:r>
+              <a:endParaRPr lang="de-DE" sz="4800" b="1" dirty="0">
+                <a:latin typeface="Century Gothic" panose="020B0502020202020204" pitchFamily="34" charset="0"/>
+              </a:endParaRPr>
             </a:p>
           </p:txBody>
         </p:sp>
@@ -4845,7 +4923,7 @@
         </p:nvGrpSpPr>
         <p:grpSpPr>
           <a:xfrm rot="10800000">
-            <a:off x="9881520" y="23870327"/>
+            <a:off x="9833440" y="23327816"/>
             <a:ext cx="1879232" cy="1080001"/>
             <a:chOff x="11212852" y="8991600"/>
             <a:chExt cx="1879232" cy="1080001"/>
@@ -4972,148 +5050,147 @@
           </p:txBody>
         </p:sp>
       </p:grpSp>
-      <p:grpSp>
-        <p:nvGrpSpPr>
-          <p:cNvPr id="56" name="Gruppieren 55">
-            <a:extLst>
-              <a:ext uri="{FF2B5EF4-FFF2-40B4-BE49-F238E27FC236}">
-                <a16:creationId xmlns:a16="http://schemas.microsoft.com/office/drawing/2014/main" id="{E20F6CF5-D934-4CB7-BC7F-9CAF86F3FC6C}"/>
-              </a:ext>
-            </a:extLst>
-          </p:cNvPr>
-          <p:cNvGrpSpPr/>
+      <p:sp>
+        <p:nvSpPr>
+          <p:cNvPr id="57" name="Rechteck 56">
+            <a:extLst>
+              <a:ext uri="{FF2B5EF4-FFF2-40B4-BE49-F238E27FC236}">
+                <a16:creationId xmlns:a16="http://schemas.microsoft.com/office/drawing/2014/main" id="{57127A56-7388-448E-B806-CE97D4EBC7F5}"/>
+              </a:ext>
+            </a:extLst>
+          </p:cNvPr>
+          <p:cNvSpPr/>
           <p:nvPr/>
-        </p:nvGrpSpPr>
-        <p:grpSpPr>
+        </p:nvSpPr>
+        <p:spPr>
           <a:xfrm>
-            <a:off x="11482088" y="27178831"/>
-            <a:ext cx="9715500" cy="1952030"/>
-            <a:chOff x="419111" y="4076700"/>
-            <a:chExt cx="9715500" cy="1961093"/>
+            <a:off x="241972" y="26561423"/>
+            <a:ext cx="20955616" cy="3144854"/>
           </a:xfrm>
-        </p:grpSpPr>
-        <p:sp>
-          <p:nvSpPr>
-            <p:cNvPr id="57" name="Rechteck 56">
-              <a:extLst>
-                <a:ext uri="{FF2B5EF4-FFF2-40B4-BE49-F238E27FC236}">
-                  <a16:creationId xmlns:a16="http://schemas.microsoft.com/office/drawing/2014/main" id="{57127A56-7388-448E-B806-CE97D4EBC7F5}"/>
-                </a:ext>
-              </a:extLst>
-            </p:cNvPr>
-            <p:cNvSpPr/>
-            <p:nvPr/>
-          </p:nvSpPr>
-          <p:spPr>
-            <a:xfrm>
-              <a:off x="419111" y="4076700"/>
-              <a:ext cx="9715500" cy="1961093"/>
-            </a:xfrm>
-            <a:prstGeom prst="rect">
-              <a:avLst/>
-            </a:prstGeom>
-            <a:ln>
-              <a:solidFill>
-                <a:srgbClr val="229C8D"/>
-              </a:solidFill>
-            </a:ln>
-          </p:spPr>
-          <p:style>
-            <a:lnRef idx="2">
-              <a:schemeClr val="accent4"/>
-            </a:lnRef>
-            <a:fillRef idx="1">
-              <a:schemeClr val="lt1"/>
-            </a:fillRef>
-            <a:effectRef idx="0">
-              <a:schemeClr val="accent4"/>
-            </a:effectRef>
-            <a:fontRef idx="minor">
-              <a:schemeClr val="dk1"/>
-            </a:fontRef>
-          </p:style>
-          <p:txBody>
-            <a:bodyPr rtlCol="0" anchor="ctr"/>
-            <a:lstStyle/>
-            <a:p>
-              <a:pPr algn="ctr"/>
-              <a:endParaRPr lang="de-DE" dirty="0"/>
-            </a:p>
-          </p:txBody>
-        </p:sp>
-        <p:sp>
-          <p:nvSpPr>
-            <p:cNvPr id="58" name="Textfeld 57">
-              <a:extLst>
-                <a:ext uri="{FF2B5EF4-FFF2-40B4-BE49-F238E27FC236}">
-                  <a16:creationId xmlns:a16="http://schemas.microsoft.com/office/drawing/2014/main" id="{4B6B9B2B-CA06-4FDF-AE22-01701587A94A}"/>
-                </a:ext>
-              </a:extLst>
-            </p:cNvPr>
-            <p:cNvSpPr txBox="1"/>
-            <p:nvPr/>
-          </p:nvSpPr>
-          <p:spPr>
-            <a:xfrm>
-              <a:off x="784873" y="5242352"/>
-              <a:ext cx="9060176" cy="587490"/>
-            </a:xfrm>
-            <a:prstGeom prst="rect">
-              <a:avLst/>
-            </a:prstGeom>
-            <a:noFill/>
-          </p:spPr>
-          <p:txBody>
-            <a:bodyPr wrap="square" rtlCol="0">
-              <a:spAutoFit/>
-            </a:bodyPr>
-            <a:lstStyle/>
-            <a:p>
-              <a:endParaRPr lang="de-DE" sz="3200" i="1" dirty="0">
+          <a:prstGeom prst="rect">
+            <a:avLst/>
+          </a:prstGeom>
+          <a:ln>
+            <a:solidFill>
+              <a:srgbClr val="229C8D"/>
+            </a:solidFill>
+          </a:ln>
+        </p:spPr>
+        <p:style>
+          <a:lnRef idx="2">
+            <a:schemeClr val="accent4"/>
+          </a:lnRef>
+          <a:fillRef idx="1">
+            <a:schemeClr val="lt1"/>
+          </a:fillRef>
+          <a:effectRef idx="0">
+            <a:schemeClr val="accent4"/>
+          </a:effectRef>
+          <a:fontRef idx="minor">
+            <a:schemeClr val="dk1"/>
+          </a:fontRef>
+        </p:style>
+        <p:txBody>
+          <a:bodyPr rtlCol="0" anchor="ctr"/>
+          <a:lstStyle/>
+          <a:p>
+            <a:pPr algn="ctr"/>
+            <a:endParaRPr lang="de-DE" dirty="0"/>
+          </a:p>
+        </p:txBody>
+      </p:sp>
+      <p:sp>
+        <p:nvSpPr>
+          <p:cNvPr id="58" name="Textfeld 57">
+            <a:extLst>
+              <a:ext uri="{FF2B5EF4-FFF2-40B4-BE49-F238E27FC236}">
+                <a16:creationId xmlns:a16="http://schemas.microsoft.com/office/drawing/2014/main" id="{4B6B9B2B-CA06-4FDF-AE22-01701587A94A}"/>
+              </a:ext>
+            </a:extLst>
+          </p:cNvPr>
+          <p:cNvSpPr txBox="1"/>
+          <p:nvPr/>
+        </p:nvSpPr>
+        <p:spPr>
+          <a:xfrm>
+            <a:off x="1030894" y="28430689"/>
+            <a:ext cx="19542131" cy="942113"/>
+          </a:xfrm>
+          <a:prstGeom prst="rect">
+            <a:avLst/>
+          </a:prstGeom>
+          <a:noFill/>
+        </p:spPr>
+        <p:txBody>
+          <a:bodyPr wrap="square" rtlCol="0">
+            <a:spAutoFit/>
+          </a:bodyPr>
+          <a:lstStyle/>
+          <a:p>
+            <a:endParaRPr lang="de-DE" sz="3200" i="1" dirty="0">
+              <a:latin typeface="Times New Roman" panose="02020603050405020304" pitchFamily="18" charset="0"/>
+              <a:cs typeface="Times New Roman" panose="02020603050405020304" pitchFamily="18" charset="0"/>
+            </a:endParaRPr>
+          </a:p>
+        </p:txBody>
+      </p:sp>
+      <p:sp>
+        <p:nvSpPr>
+          <p:cNvPr id="59" name="Textfeld 58">
+            <a:extLst>
+              <a:ext uri="{FF2B5EF4-FFF2-40B4-BE49-F238E27FC236}">
+                <a16:creationId xmlns:a16="http://schemas.microsoft.com/office/drawing/2014/main" id="{FED654D0-4477-43D9-AAE0-6578630C40A5}"/>
+              </a:ext>
+            </a:extLst>
+          </p:cNvPr>
+          <p:cNvSpPr txBox="1"/>
+          <p:nvPr/>
+        </p:nvSpPr>
+        <p:spPr>
+          <a:xfrm>
+            <a:off x="549910" y="26854861"/>
+            <a:ext cx="7682906" cy="3293209"/>
+          </a:xfrm>
+          <a:prstGeom prst="rect">
+            <a:avLst/>
+          </a:prstGeom>
+          <a:noFill/>
+        </p:spPr>
+        <p:txBody>
+          <a:bodyPr wrap="square" rtlCol="0">
+            <a:spAutoFit/>
+          </a:bodyPr>
+          <a:lstStyle/>
+          <a:p>
+            <a:r>
+              <a:rPr lang="de-DE" sz="4800" b="1" dirty="0">
+                <a:latin typeface="Century Gothic" panose="020B0502020202020204" pitchFamily="34" charset="0"/>
+              </a:rPr>
+              <a:t>Sei Teil des Experiments!</a:t>
+            </a:r>
+            <a:br>
+              <a:rPr lang="de-DE" sz="4800" b="1" dirty="0">
+                <a:latin typeface="Century Gothic" panose="020B0502020202020204" pitchFamily="34" charset="0"/>
+              </a:rPr>
+            </a:br>
+            <a:r>
+              <a:rPr lang="de-DE" sz="3200" dirty="0">
                 <a:latin typeface="Times New Roman" panose="02020603050405020304" pitchFamily="18" charset="0"/>
                 <a:cs typeface="Times New Roman" panose="02020603050405020304" pitchFamily="18" charset="0"/>
-              </a:endParaRPr>
-            </a:p>
-          </p:txBody>
-        </p:sp>
-        <p:sp>
-          <p:nvSpPr>
-            <p:cNvPr id="59" name="Textfeld 58">
-              <a:extLst>
-                <a:ext uri="{FF2B5EF4-FFF2-40B4-BE49-F238E27FC236}">
-                  <a16:creationId xmlns:a16="http://schemas.microsoft.com/office/drawing/2014/main" id="{FED654D0-4477-43D9-AAE0-6578630C40A5}"/>
-                </a:ext>
-              </a:extLst>
-            </p:cNvPr>
-            <p:cNvSpPr txBox="1"/>
-            <p:nvPr/>
-          </p:nvSpPr>
-          <p:spPr>
-            <a:xfrm>
-              <a:off x="746773" y="4411355"/>
-              <a:ext cx="8627090" cy="834855"/>
-            </a:xfrm>
-            <a:prstGeom prst="rect">
-              <a:avLst/>
-            </a:prstGeom>
-            <a:noFill/>
-          </p:spPr>
-          <p:txBody>
-            <a:bodyPr wrap="square" rtlCol="0">
-              <a:spAutoFit/>
-            </a:bodyPr>
-            <a:lstStyle/>
-            <a:p>
-              <a:r>
-                <a:rPr lang="de-DE" sz="4800" b="1" dirty="0">
-                  <a:latin typeface="Century Gothic" panose="020B0502020202020204" pitchFamily="34" charset="0"/>
-                </a:rPr>
-                <a:t>Sei Teil dieses Experiments!</a:t>
-              </a:r>
-            </a:p>
-          </p:txBody>
-        </p:sp>
-      </p:grpSp>
+              </a:rPr>
+              <a:t>Rechts siehst du nochmals eine Übersicht aller Befehle sowie deren textuellen als auch grafischen Darstellung. Für weitere Fragen stehen wir euch gerne zur Verfügung!</a:t>
+            </a:r>
+            <a:endParaRPr lang="de-DE" sz="3200" b="1" dirty="0">
+              <a:latin typeface="Century Gothic" panose="020B0502020202020204" pitchFamily="34" charset="0"/>
+            </a:endParaRPr>
+          </a:p>
+          <a:p>
+            <a:endParaRPr lang="de-DE" sz="3200" b="1" dirty="0">
+              <a:latin typeface="Century Gothic" panose="020B0502020202020204" pitchFamily="34" charset="0"/>
+            </a:endParaRPr>
+          </a:p>
+        </p:txBody>
+      </p:sp>
       <p:grpSp>
         <p:nvGrpSpPr>
           <p:cNvPr id="60" name="Gruppieren 59">
@@ -5339,6 +5416,577 @@
           </a:p>
         </p:txBody>
       </p:sp>
+      <p:pic>
+        <p:nvPicPr>
+          <p:cNvPr id="10" name="Grafik 9">
+            <a:extLst>
+              <a:ext uri="{FF2B5EF4-FFF2-40B4-BE49-F238E27FC236}">
+                <a16:creationId xmlns:a16="http://schemas.microsoft.com/office/drawing/2014/main" id="{34C049E1-1BA1-49BE-B41F-B9AEDA588CC4}"/>
+              </a:ext>
+            </a:extLst>
+          </p:cNvPr>
+          <p:cNvPicPr>
+            <a:picLocks noChangeAspect="1"/>
+          </p:cNvPicPr>
+          <p:nvPr/>
+        </p:nvPicPr>
+        <p:blipFill>
+          <a:blip r:embed="rId4"/>
+          <a:stretch>
+            <a:fillRect/>
+          </a:stretch>
+        </p:blipFill>
+        <p:spPr>
+          <a:xfrm>
+            <a:off x="16549696" y="15586247"/>
+            <a:ext cx="4183536" cy="2822385"/>
+          </a:xfrm>
+          <a:prstGeom prst="rect">
+            <a:avLst/>
+          </a:prstGeom>
+        </p:spPr>
+      </p:pic>
+      <p:pic>
+        <p:nvPicPr>
+          <p:cNvPr id="11" name="Grafik 10">
+            <a:extLst>
+              <a:ext uri="{FF2B5EF4-FFF2-40B4-BE49-F238E27FC236}">
+                <a16:creationId xmlns:a16="http://schemas.microsoft.com/office/drawing/2014/main" id="{1940640A-AE29-4CA4-AAF7-BC7440F7B273}"/>
+              </a:ext>
+            </a:extLst>
+          </p:cNvPr>
+          <p:cNvPicPr>
+            <a:picLocks noChangeAspect="1"/>
+          </p:cNvPicPr>
+          <p:nvPr/>
+        </p:nvPicPr>
+        <p:blipFill>
+          <a:blip r:embed="rId5"/>
+          <a:stretch>
+            <a:fillRect/>
+          </a:stretch>
+        </p:blipFill>
+        <p:spPr>
+          <a:xfrm>
+            <a:off x="11944463" y="15586248"/>
+            <a:ext cx="4183536" cy="2822385"/>
+          </a:xfrm>
+          <a:prstGeom prst="rect">
+            <a:avLst/>
+          </a:prstGeom>
+        </p:spPr>
+      </p:pic>
+      <p:graphicFrame>
+        <p:nvGraphicFramePr>
+          <p:cNvPr id="17" name="Tabelle 16">
+            <a:extLst>
+              <a:ext uri="{FF2B5EF4-FFF2-40B4-BE49-F238E27FC236}">
+                <a16:creationId xmlns:a16="http://schemas.microsoft.com/office/drawing/2014/main" id="{1D321E52-0734-4BF6-9557-3BAC4CDB680C}"/>
+              </a:ext>
+            </a:extLst>
+          </p:cNvPr>
+          <p:cNvGraphicFramePr>
+            <a:graphicFrameLocks noGrp="1"/>
+          </p:cNvGraphicFramePr>
+          <p:nvPr>
+            <p:extLst>
+              <p:ext uri="{D42A27DB-BD31-4B8C-83A1-F6EECF244321}">
+                <p14:modId xmlns:p14="http://schemas.microsoft.com/office/powerpoint/2010/main" val="2763159125"/>
+              </p:ext>
+            </p:extLst>
+          </p:nvPr>
+        </p:nvGraphicFramePr>
+        <p:xfrm>
+          <a:off x="8418853" y="26849940"/>
+          <a:ext cx="12253578" cy="2683856"/>
+        </p:xfrm>
+        <a:graphic>
+          <a:graphicData uri="http://schemas.openxmlformats.org/drawingml/2006/table">
+            <a:tbl>
+              <a:tblPr firstRow="1" bandRow="1">
+                <a:tableStyleId>{8799B23B-EC83-4686-B30A-512413B5E67A}</a:tableStyleId>
+              </a:tblPr>
+              <a:tblGrid>
+                <a:gridCol w="2042263">
+                  <a:extLst>
+                    <a:ext uri="{9D8B030D-6E8A-4147-A177-3AD203B41FA5}">
+                      <a16:colId xmlns:a16="http://schemas.microsoft.com/office/drawing/2014/main" val="4080802559"/>
+                    </a:ext>
+                  </a:extLst>
+                </a:gridCol>
+                <a:gridCol w="2042263">
+                  <a:extLst>
+                    <a:ext uri="{9D8B030D-6E8A-4147-A177-3AD203B41FA5}">
+                      <a16:colId xmlns:a16="http://schemas.microsoft.com/office/drawing/2014/main" val="59951327"/>
+                    </a:ext>
+                  </a:extLst>
+                </a:gridCol>
+                <a:gridCol w="1822221">
+                  <a:extLst>
+                    <a:ext uri="{9D8B030D-6E8A-4147-A177-3AD203B41FA5}">
+                      <a16:colId xmlns:a16="http://schemas.microsoft.com/office/drawing/2014/main" val="3146057266"/>
+                    </a:ext>
+                  </a:extLst>
+                </a:gridCol>
+                <a:gridCol w="2499360">
+                  <a:extLst>
+                    <a:ext uri="{9D8B030D-6E8A-4147-A177-3AD203B41FA5}">
+                      <a16:colId xmlns:a16="http://schemas.microsoft.com/office/drawing/2014/main" val="3217958912"/>
+                    </a:ext>
+                  </a:extLst>
+                </a:gridCol>
+                <a:gridCol w="1805208">
+                  <a:extLst>
+                    <a:ext uri="{9D8B030D-6E8A-4147-A177-3AD203B41FA5}">
+                      <a16:colId xmlns:a16="http://schemas.microsoft.com/office/drawing/2014/main" val="3651344112"/>
+                    </a:ext>
+                  </a:extLst>
+                </a:gridCol>
+                <a:gridCol w="2042263">
+                  <a:extLst>
+                    <a:ext uri="{9D8B030D-6E8A-4147-A177-3AD203B41FA5}">
+                      <a16:colId xmlns:a16="http://schemas.microsoft.com/office/drawing/2014/main" val="1066558986"/>
+                    </a:ext>
+                  </a:extLst>
+                </a:gridCol>
+              </a:tblGrid>
+              <a:tr h="543779">
+                <a:tc>
+                  <a:txBody>
+                    <a:bodyPr/>
+                    <a:lstStyle/>
+                    <a:p>
+                      <a:pPr algn="ctr"/>
+                      <a:r>
+                        <a:rPr lang="de-DE" dirty="0"/>
+                        <a:t>Befehl</a:t>
+                      </a:r>
+                    </a:p>
+                  </a:txBody>
+                  <a:tcPr anchor="ctr"/>
+                </a:tc>
+                <a:tc>
+                  <a:txBody>
+                    <a:bodyPr/>
+                    <a:lstStyle/>
+                    <a:p>
+                      <a:pPr algn="ctr"/>
+                      <a:r>
+                        <a:rPr lang="de-DE" b="1" dirty="0"/>
+                        <a:t>Strg + C</a:t>
+                      </a:r>
+                    </a:p>
+                  </a:txBody>
+                  <a:tcPr anchor="ctr"/>
+                </a:tc>
+                <a:tc>
+                  <a:txBody>
+                    <a:bodyPr/>
+                    <a:lstStyle/>
+                    <a:p>
+                      <a:pPr algn="ctr"/>
+                      <a:r>
+                        <a:rPr lang="de-DE" b="1" dirty="0"/>
+                        <a:t>Strg + V</a:t>
+                      </a:r>
+                    </a:p>
+                  </a:txBody>
+                  <a:tcPr anchor="ctr"/>
+                </a:tc>
+                <a:tc>
+                  <a:txBody>
+                    <a:bodyPr/>
+                    <a:lstStyle/>
+                    <a:p>
+                      <a:pPr algn="ctr"/>
+                      <a:r>
+                        <a:rPr lang="de-DE" b="1" dirty="0"/>
+                        <a:t>Strg + X</a:t>
+                      </a:r>
+                    </a:p>
+                  </a:txBody>
+                  <a:tcPr anchor="ctr"/>
+                </a:tc>
+                <a:tc>
+                  <a:txBody>
+                    <a:bodyPr/>
+                    <a:lstStyle/>
+                    <a:p>
+                      <a:pPr algn="ctr"/>
+                      <a:r>
+                        <a:rPr lang="de-DE" b="1" dirty="0"/>
+                        <a:t>Strg + P</a:t>
+                      </a:r>
+                    </a:p>
+                  </a:txBody>
+                  <a:tcPr anchor="ctr"/>
+                </a:tc>
+                <a:tc>
+                  <a:txBody>
+                    <a:bodyPr/>
+                    <a:lstStyle/>
+                    <a:p>
+                      <a:pPr algn="ctr"/>
+                      <a:r>
+                        <a:rPr lang="de-DE" b="1" dirty="0"/>
+                        <a:t>Strg + S</a:t>
+                      </a:r>
+                    </a:p>
+                  </a:txBody>
+                  <a:tcPr anchor="ctr"/>
+                </a:tc>
+                <a:extLst>
+                  <a:ext uri="{0D108BD9-81ED-4DB2-BD59-A6C34878D82A}">
+                    <a16:rowId xmlns:a16="http://schemas.microsoft.com/office/drawing/2014/main" val="935752429"/>
+                  </a:ext>
+                </a:extLst>
+              </a:tr>
+              <a:tr h="1000717">
+                <a:tc>
+                  <a:txBody>
+                    <a:bodyPr/>
+                    <a:lstStyle/>
+                    <a:p>
+                      <a:pPr algn="ctr"/>
+                      <a:r>
+                        <a:rPr lang="de-DE" b="1" dirty="0"/>
+                        <a:t>Text</a:t>
+                      </a:r>
+                    </a:p>
+                  </a:txBody>
+                  <a:tcPr anchor="ctr"/>
+                </a:tc>
+                <a:tc>
+                  <a:txBody>
+                    <a:bodyPr/>
+                    <a:lstStyle/>
+                    <a:p>
+                      <a:pPr algn="ctr"/>
+                      <a:r>
+                        <a:rPr lang="de-DE" b="0" dirty="0"/>
+                        <a:t>Copy / Kopieren</a:t>
+                      </a:r>
+                    </a:p>
+                  </a:txBody>
+                  <a:tcPr anchor="ctr"/>
+                </a:tc>
+                <a:tc>
+                  <a:txBody>
+                    <a:bodyPr/>
+                    <a:lstStyle/>
+                    <a:p>
+                      <a:pPr algn="ctr"/>
+                      <a:r>
+                        <a:rPr lang="de-DE" b="0" dirty="0"/>
+                        <a:t>Paste / Einfügen</a:t>
+                      </a:r>
+                    </a:p>
+                  </a:txBody>
+                  <a:tcPr anchor="ctr"/>
+                </a:tc>
+                <a:tc>
+                  <a:txBody>
+                    <a:bodyPr/>
+                    <a:lstStyle/>
+                    <a:p>
+                      <a:pPr algn="ctr"/>
+                      <a:r>
+                        <a:rPr lang="de-DE" b="0" dirty="0"/>
+                        <a:t>Cut / Ausschneiden</a:t>
+                      </a:r>
+                    </a:p>
+                  </a:txBody>
+                  <a:tcPr anchor="ctr"/>
+                </a:tc>
+                <a:tc>
+                  <a:txBody>
+                    <a:bodyPr/>
+                    <a:lstStyle/>
+                    <a:p>
+                      <a:pPr algn="ctr"/>
+                      <a:r>
+                        <a:rPr lang="de-DE" b="0" dirty="0"/>
+                        <a:t>Print / Drucken</a:t>
+                      </a:r>
+                    </a:p>
+                  </a:txBody>
+                  <a:tcPr anchor="ctr"/>
+                </a:tc>
+                <a:tc>
+                  <a:txBody>
+                    <a:bodyPr/>
+                    <a:lstStyle/>
+                    <a:p>
+                      <a:pPr algn="ctr"/>
+                      <a:r>
+                        <a:rPr lang="de-DE" b="0" dirty="0"/>
+                        <a:t>Save / Speichern</a:t>
+                      </a:r>
+                    </a:p>
+                  </a:txBody>
+                  <a:tcPr anchor="ctr"/>
+                </a:tc>
+                <a:extLst>
+                  <a:ext uri="{0D108BD9-81ED-4DB2-BD59-A6C34878D82A}">
+                    <a16:rowId xmlns:a16="http://schemas.microsoft.com/office/drawing/2014/main" val="553764209"/>
+                  </a:ext>
+                </a:extLst>
+              </a:tr>
+              <a:tr h="1057557">
+                <a:tc>
+                  <a:txBody>
+                    <a:bodyPr/>
+                    <a:lstStyle/>
+                    <a:p>
+                      <a:pPr algn="ctr"/>
+                      <a:r>
+                        <a:rPr lang="de-DE" b="1" dirty="0"/>
+                        <a:t>Icon</a:t>
+                      </a:r>
+                    </a:p>
+                  </a:txBody>
+                  <a:tcPr anchor="ctr"/>
+                </a:tc>
+                <a:tc>
+                  <a:txBody>
+                    <a:bodyPr/>
+                    <a:lstStyle/>
+                    <a:p>
+                      <a:endParaRPr lang="de-DE" dirty="0"/>
+                    </a:p>
+                  </a:txBody>
+                  <a:tcPr anchor="ctr"/>
+                </a:tc>
+                <a:tc>
+                  <a:txBody>
+                    <a:bodyPr/>
+                    <a:lstStyle/>
+                    <a:p>
+                      <a:endParaRPr lang="de-DE"/>
+                    </a:p>
+                  </a:txBody>
+                  <a:tcPr anchor="ctr"/>
+                </a:tc>
+                <a:tc>
+                  <a:txBody>
+                    <a:bodyPr/>
+                    <a:lstStyle/>
+                    <a:p>
+                      <a:endParaRPr lang="de-DE" dirty="0"/>
+                    </a:p>
+                  </a:txBody>
+                  <a:tcPr anchor="ctr"/>
+                </a:tc>
+                <a:tc>
+                  <a:txBody>
+                    <a:bodyPr/>
+                    <a:lstStyle/>
+                    <a:p>
+                      <a:endParaRPr lang="de-DE" dirty="0"/>
+                    </a:p>
+                  </a:txBody>
+                  <a:tcPr anchor="ctr"/>
+                </a:tc>
+                <a:tc>
+                  <a:txBody>
+                    <a:bodyPr/>
+                    <a:lstStyle/>
+                    <a:p>
+                      <a:endParaRPr lang="de-DE" dirty="0"/>
+                    </a:p>
+                  </a:txBody>
+                  <a:tcPr anchor="ctr"/>
+                </a:tc>
+                <a:extLst>
+                  <a:ext uri="{0D108BD9-81ED-4DB2-BD59-A6C34878D82A}">
+                    <a16:rowId xmlns:a16="http://schemas.microsoft.com/office/drawing/2014/main" val="1450427850"/>
+                  </a:ext>
+                </a:extLst>
+              </a:tr>
+            </a:tbl>
+          </a:graphicData>
+        </a:graphic>
+      </p:graphicFrame>
+      <p:pic>
+        <p:nvPicPr>
+          <p:cNvPr id="22" name="Grafik 21">
+            <a:extLst>
+              <a:ext uri="{FF2B5EF4-FFF2-40B4-BE49-F238E27FC236}">
+                <a16:creationId xmlns:a16="http://schemas.microsoft.com/office/drawing/2014/main" id="{A486A03C-B91C-4756-B6DB-602617BED1EF}"/>
+              </a:ext>
+            </a:extLst>
+          </p:cNvPr>
+          <p:cNvPicPr>
+            <a:picLocks noChangeAspect="1"/>
+          </p:cNvPicPr>
+          <p:nvPr/>
+        </p:nvPicPr>
+        <p:blipFill>
+          <a:blip r:embed="rId6">
+            <a:extLst>
+              <a:ext uri="{28A0092B-C50C-407E-A947-70E740481C1C}">
+                <a14:useLocalDpi xmlns:a14="http://schemas.microsoft.com/office/drawing/2010/main" val="0"/>
+              </a:ext>
+            </a:extLst>
+          </a:blip>
+          <a:stretch>
+            <a:fillRect/>
+          </a:stretch>
+        </p:blipFill>
+        <p:spPr>
+          <a:xfrm>
+            <a:off x="11129648" y="28661486"/>
+            <a:ext cx="725073" cy="725073"/>
+          </a:xfrm>
+          <a:prstGeom prst="rect">
+            <a:avLst/>
+          </a:prstGeom>
+        </p:spPr>
+      </p:pic>
+      <p:pic>
+        <p:nvPicPr>
+          <p:cNvPr id="63" name="Grafik 62">
+            <a:extLst>
+              <a:ext uri="{FF2B5EF4-FFF2-40B4-BE49-F238E27FC236}">
+                <a16:creationId xmlns:a16="http://schemas.microsoft.com/office/drawing/2014/main" id="{A52D720A-CFE9-4EC2-92BF-92CE03977207}"/>
+              </a:ext>
+            </a:extLst>
+          </p:cNvPr>
+          <p:cNvPicPr>
+            <a:picLocks noChangeAspect="1"/>
+          </p:cNvPicPr>
+          <p:nvPr/>
+        </p:nvPicPr>
+        <p:blipFill>
+          <a:blip r:embed="rId7">
+            <a:extLst>
+              <a:ext uri="{28A0092B-C50C-407E-A947-70E740481C1C}">
+                <a14:useLocalDpi xmlns:a14="http://schemas.microsoft.com/office/drawing/2010/main" val="0"/>
+              </a:ext>
+            </a:extLst>
+          </a:blip>
+          <a:stretch>
+            <a:fillRect/>
+          </a:stretch>
+        </p:blipFill>
+        <p:spPr>
+          <a:xfrm>
+            <a:off x="13074453" y="28674437"/>
+            <a:ext cx="725073" cy="725073"/>
+          </a:xfrm>
+          <a:prstGeom prst="rect">
+            <a:avLst/>
+          </a:prstGeom>
+        </p:spPr>
+      </p:pic>
+      <p:pic>
+        <p:nvPicPr>
+          <p:cNvPr id="64" name="Grafik 63">
+            <a:extLst>
+              <a:ext uri="{FF2B5EF4-FFF2-40B4-BE49-F238E27FC236}">
+                <a16:creationId xmlns:a16="http://schemas.microsoft.com/office/drawing/2014/main" id="{88B2A9E3-0925-4B68-80BB-6131317DADA3}"/>
+              </a:ext>
+            </a:extLst>
+          </p:cNvPr>
+          <p:cNvPicPr>
+            <a:picLocks noChangeAspect="1"/>
+          </p:cNvPicPr>
+          <p:nvPr/>
+        </p:nvPicPr>
+        <p:blipFill>
+          <a:blip r:embed="rId8">
+            <a:extLst>
+              <a:ext uri="{28A0092B-C50C-407E-A947-70E740481C1C}">
+                <a14:useLocalDpi xmlns:a14="http://schemas.microsoft.com/office/drawing/2010/main" val="0"/>
+              </a:ext>
+            </a:extLst>
+          </a:blip>
+          <a:stretch>
+            <a:fillRect/>
+          </a:stretch>
+        </p:blipFill>
+        <p:spPr>
+          <a:xfrm>
+            <a:off x="15244759" y="28655781"/>
+            <a:ext cx="725073" cy="725073"/>
+          </a:xfrm>
+          <a:prstGeom prst="rect">
+            <a:avLst/>
+          </a:prstGeom>
+        </p:spPr>
+      </p:pic>
+      <p:pic>
+        <p:nvPicPr>
+          <p:cNvPr id="65" name="Grafik 64">
+            <a:extLst>
+              <a:ext uri="{FF2B5EF4-FFF2-40B4-BE49-F238E27FC236}">
+                <a16:creationId xmlns:a16="http://schemas.microsoft.com/office/drawing/2014/main" id="{998AC65E-6E85-416C-B0E8-E3317B8B1402}"/>
+              </a:ext>
+            </a:extLst>
+          </p:cNvPr>
+          <p:cNvPicPr>
+            <a:picLocks noChangeAspect="1"/>
+          </p:cNvPicPr>
+          <p:nvPr/>
+        </p:nvPicPr>
+        <p:blipFill>
+          <a:blip r:embed="rId9">
+            <a:extLst>
+              <a:ext uri="{28A0092B-C50C-407E-A947-70E740481C1C}">
+                <a14:useLocalDpi xmlns:a14="http://schemas.microsoft.com/office/drawing/2010/main" val="0"/>
+              </a:ext>
+            </a:extLst>
+          </a:blip>
+          <a:stretch>
+            <a:fillRect/>
+          </a:stretch>
+        </p:blipFill>
+        <p:spPr>
+          <a:xfrm>
+            <a:off x="17415065" y="28674437"/>
+            <a:ext cx="725073" cy="725073"/>
+          </a:xfrm>
+          <a:prstGeom prst="rect">
+            <a:avLst/>
+          </a:prstGeom>
+        </p:spPr>
+      </p:pic>
+      <p:pic>
+        <p:nvPicPr>
+          <p:cNvPr id="66" name="Grafik 65">
+            <a:extLst>
+              <a:ext uri="{FF2B5EF4-FFF2-40B4-BE49-F238E27FC236}">
+                <a16:creationId xmlns:a16="http://schemas.microsoft.com/office/drawing/2014/main" id="{B7675CAE-844B-42CC-8567-CA538C23EBF0}"/>
+              </a:ext>
+            </a:extLst>
+          </p:cNvPr>
+          <p:cNvPicPr>
+            <a:picLocks noChangeAspect="1"/>
+          </p:cNvPicPr>
+          <p:nvPr/>
+        </p:nvPicPr>
+        <p:blipFill>
+          <a:blip r:embed="rId10">
+            <a:extLst>
+              <a:ext uri="{28A0092B-C50C-407E-A947-70E740481C1C}">
+                <a14:useLocalDpi xmlns:a14="http://schemas.microsoft.com/office/drawing/2010/main" val="0"/>
+              </a:ext>
+            </a:extLst>
+          </a:blip>
+          <a:stretch>
+            <a:fillRect/>
+          </a:stretch>
+        </p:blipFill>
+        <p:spPr>
+          <a:xfrm>
+            <a:off x="19276189" y="28666137"/>
+            <a:ext cx="725073" cy="725073"/>
+          </a:xfrm>
+          <a:prstGeom prst="rect">
+            <a:avLst/>
+          </a:prstGeom>
+        </p:spPr>
+      </p:pic>
     </p:spTree>
     <p:extLst>
       <p:ext uri="{BB962C8B-B14F-4D97-AF65-F5344CB8AC3E}">
